--- a/图灵双十一电商系统.pptx
+++ b/图灵双十一电商系统.pptx
@@ -15,10 +15,9 @@
     <p:sldId id="282" r:id="rId10"/>
     <p:sldId id="285" r:id="rId11"/>
     <p:sldId id="288" r:id="rId12"/>
-    <p:sldId id="289" r:id="rId13"/>
-    <p:sldId id="292" r:id="rId14"/>
-    <p:sldId id="261" r:id="rId15"/>
-    <p:sldId id="268" r:id="rId16"/>
+    <p:sldId id="292" r:id="rId13"/>
+    <p:sldId id="261" r:id="rId14"/>
+    <p:sldId id="268" r:id="rId15"/>
   </p:sldIdLst>
   <p:sldSz cx="12192000" cy="6858000"/>
   <p:notesSz cx="6858000" cy="9144000"/>
@@ -5350,1077 +5349,6 @@
         <p:spPr>
           <a:xfrm>
             <a:off x="6957244" y="3799477"/>
-            <a:ext cx="4859159" cy="738664"/>
-          </a:xfrm>
-          <a:prstGeom prst="rect">
-            <a:avLst/>
-          </a:prstGeom>
-        </p:spPr>
-        <p:txBody>
-          <a:bodyPr wrap="square">
-            <a:spAutoFit/>
-          </a:bodyPr>
-          <a:lstStyle/>
-          <a:p>
-            <a:r>
-              <a:rPr lang="en-US" altLang="zh-CN" sz="1400" dirty="0" err="1" smtClean="0">
-                <a:solidFill>
-                  <a:schemeClr val="bg1"/>
-                </a:solidFill>
-              </a:rPr>
-              <a:t>Logstash</a:t>
-            </a:r>
-            <a:r>
-              <a:rPr lang="zh-CN" altLang="en-US" sz="1400" dirty="0" smtClean="0">
-                <a:solidFill>
-                  <a:schemeClr val="bg1"/>
-                </a:solidFill>
-              </a:rPr>
-              <a:t>是一款轻量级的日志搜集处理框架，可以方便的把分散的、多样化的日志搜集起来，并进行自定义的处理，然后传输到指定的位置，比如某个服务器或者文件。</a:t>
-            </a:r>
-            <a:endParaRPr lang="zh-CN" altLang="en-US" sz="1400" dirty="0">
-              <a:solidFill>
-                <a:schemeClr val="bg1"/>
-              </a:solidFill>
-            </a:endParaRPr>
-          </a:p>
-        </p:txBody>
-      </p:sp>
-      <p:sp>
-        <p:nvSpPr>
-          <p:cNvPr id="39" name="文本框 38"/>
-          <p:cNvSpPr txBox="1"/>
-          <p:nvPr/>
-        </p:nvSpPr>
-        <p:spPr>
-          <a:xfrm>
-            <a:off x="8977111" y="3177729"/>
-            <a:ext cx="2438400" cy="706755"/>
-          </a:xfrm>
-          <a:prstGeom prst="rect">
-            <a:avLst/>
-          </a:prstGeom>
-          <a:noFill/>
-        </p:spPr>
-        <p:txBody>
-          <a:bodyPr wrap="square" rtlCol="0">
-            <a:spAutoFit/>
-          </a:bodyPr>
-          <a:lstStyle/>
-          <a:p>
-            <a:r>
-              <a:rPr lang="en-US" altLang="zh-CN" sz="2000" dirty="0" err="1" smtClean="0">
-                <a:solidFill>
-                  <a:schemeClr val="bg1"/>
-                </a:solidFill>
-                <a:latin typeface="+mn-ea"/>
-              </a:rPr>
-              <a:t>Logstassh</a:t>
-            </a:r>
-            <a:r>
-              <a:rPr lang="zh-CN" altLang="en-US" sz="2000" dirty="0" smtClean="0">
-                <a:solidFill>
-                  <a:schemeClr val="bg1"/>
-                </a:solidFill>
-                <a:latin typeface="+mn-ea"/>
-              </a:rPr>
-              <a:t>的使用（暂不使用）</a:t>
-            </a:r>
-            <a:endParaRPr lang="zh-CN" altLang="en-US" sz="2000" dirty="0">
-              <a:solidFill>
-                <a:schemeClr val="bg1"/>
-              </a:solidFill>
-              <a:latin typeface="+mn-ea"/>
-            </a:endParaRPr>
-          </a:p>
-        </p:txBody>
-      </p:sp>
-      <p:sp>
-        <p:nvSpPr>
-          <p:cNvPr id="13" name="矩形 12"/>
-          <p:cNvSpPr/>
-          <p:nvPr/>
-        </p:nvSpPr>
-        <p:spPr>
-          <a:xfrm>
-            <a:off x="1200163" y="3856344"/>
-            <a:ext cx="4859159" cy="523220"/>
-          </a:xfrm>
-          <a:prstGeom prst="rect">
-            <a:avLst/>
-          </a:prstGeom>
-        </p:spPr>
-        <p:txBody>
-          <a:bodyPr wrap="square">
-            <a:spAutoFit/>
-          </a:bodyPr>
-          <a:lstStyle/>
-          <a:p>
-            <a:r>
-              <a:rPr lang="zh-CN" altLang="en-US" sz="1400" dirty="0" smtClean="0"/>
-              <a:t>使用</a:t>
-            </a:r>
-            <a:r>
-              <a:rPr lang="en-US" altLang="zh-CN" sz="1400" dirty="0" err="1" smtClean="0"/>
-              <a:t>Logstash</a:t>
-            </a:r>
-            <a:r>
-              <a:rPr lang="zh-CN" altLang="en-US" sz="1400" dirty="0" smtClean="0"/>
-              <a:t>将各个子系统的日志以及服务器的日志管理起来，以便准确快捷的发现错误及异常</a:t>
-            </a:r>
-            <a:r>
-              <a:rPr lang="en-US" altLang="zh-CN" sz="1400" dirty="0" smtClean="0">
-                <a:solidFill>
-                  <a:schemeClr val="bg1"/>
-                </a:solidFill>
-              </a:rPr>
-              <a:t> </a:t>
-            </a:r>
-            <a:r>
-              <a:rPr lang="zh-CN" altLang="en-US" sz="1400" dirty="0" smtClean="0"/>
-              <a:t>。</a:t>
-            </a:r>
-            <a:endParaRPr lang="zh-CN" altLang="en-US" sz="1400" dirty="0"/>
-          </a:p>
-        </p:txBody>
-      </p:sp>
-      <p:pic>
-        <p:nvPicPr>
-          <p:cNvPr id="48129" name="Picture 1"/>
-          <p:cNvPicPr>
-            <a:picLocks noChangeAspect="1" noChangeArrowheads="1"/>
-          </p:cNvPicPr>
-          <p:nvPr/>
-        </p:nvPicPr>
-        <p:blipFill>
-          <a:blip r:embed="rId1"/>
-          <a:srcRect/>
-          <a:stretch>
-            <a:fillRect/>
-          </a:stretch>
-        </p:blipFill>
-        <p:spPr bwMode="auto">
-          <a:xfrm>
-            <a:off x="7172540" y="1667301"/>
-            <a:ext cx="3933825" cy="1066800"/>
-          </a:xfrm>
-          <a:prstGeom prst="rect">
-            <a:avLst/>
-          </a:prstGeom>
-          <a:noFill/>
-          <a:ln w="9525">
-            <a:noFill/>
-            <a:miter lim="800000"/>
-            <a:headEnd/>
-            <a:tailEnd/>
-          </a:ln>
-          <a:effectLst/>
-        </p:spPr>
-      </p:pic>
-    </p:spTree>
-  </p:cSld>
-  <p:clrMapOvr>
-    <a:masterClrMapping/>
-  </p:clrMapOvr>
-  <p:timing>
-    <p:tnLst>
-      <p:par>
-        <p:cTn id="1" dur="indefinite" restart="never" nodeType="tmRoot"/>
-      </p:par>
-    </p:tnLst>
-  </p:timing>
-</p:sld>
-</file>
-
-<file path=ppt/slides/slide12.xml><?xml version="1.0" encoding="utf-8"?>
-<p:sld xmlns:a="http://schemas.openxmlformats.org/drawingml/2006/main" xmlns:r="http://schemas.openxmlformats.org/officeDocument/2006/relationships" xmlns:p="http://schemas.openxmlformats.org/presentationml/2006/main">
-  <p:cSld>
-    <p:spTree>
-      <p:nvGrpSpPr>
-        <p:cNvPr id="1" name=""/>
-        <p:cNvGrpSpPr/>
-        <p:nvPr/>
-      </p:nvGrpSpPr>
-      <p:grpSpPr>
-        <a:xfrm>
-          <a:off x="0" y="0"/>
-          <a:ext cx="0" cy="0"/>
-          <a:chOff x="0" y="0"/>
-          <a:chExt cx="0" cy="0"/>
-        </a:xfrm>
-      </p:grpSpPr>
-      <p:grpSp>
-        <p:nvGrpSpPr>
-          <p:cNvPr id="2" name="组合 4"/>
-          <p:cNvGrpSpPr/>
-          <p:nvPr/>
-        </p:nvGrpSpPr>
-        <p:grpSpPr>
-          <a:xfrm flipV="1">
-            <a:off x="-134205" y="-3725348"/>
-            <a:ext cx="12326205" cy="12656587"/>
-            <a:chOff x="-134205" y="-2087048"/>
-            <a:chExt cx="12326205" cy="12656587"/>
-          </a:xfrm>
-        </p:grpSpPr>
-        <p:sp>
-          <p:nvSpPr>
-            <p:cNvPr id="6" name="任意多边形 5"/>
-            <p:cNvSpPr/>
-            <p:nvPr/>
-          </p:nvSpPr>
-          <p:spPr>
-            <a:xfrm>
-              <a:off x="0" y="730819"/>
-              <a:ext cx="12192000" cy="6127181"/>
-            </a:xfrm>
-            <a:custGeom>
-              <a:avLst/>
-              <a:gdLst>
-                <a:gd name="connsiteX0" fmla="*/ 8671822 w 12192000"/>
-                <a:gd name="connsiteY0" fmla="*/ 91 h 6127181"/>
-                <a:gd name="connsiteX1" fmla="*/ 12045746 w 12192000"/>
-                <a:gd name="connsiteY1" fmla="*/ 747672 h 6127181"/>
-                <a:gd name="connsiteX2" fmla="*/ 12192000 w 12192000"/>
-                <a:gd name="connsiteY2" fmla="*/ 769504 h 6127181"/>
-                <a:gd name="connsiteX3" fmla="*/ 12192000 w 12192000"/>
-                <a:gd name="connsiteY3" fmla="*/ 6127181 h 6127181"/>
-                <a:gd name="connsiteX4" fmla="*/ 0 w 12192000"/>
-                <a:gd name="connsiteY4" fmla="*/ 6127181 h 6127181"/>
-                <a:gd name="connsiteX5" fmla="*/ 0 w 12192000"/>
-                <a:gd name="connsiteY5" fmla="*/ 406947 h 6127181"/>
-                <a:gd name="connsiteX6" fmla="*/ 1561486 w 12192000"/>
-                <a:gd name="connsiteY6" fmla="*/ 401 h 6127181"/>
-                <a:gd name="connsiteX7" fmla="*/ 7138220 w 12192000"/>
-                <a:gd name="connsiteY7" fmla="*/ 406947 h 6127181"/>
-                <a:gd name="connsiteX8" fmla="*/ 8671822 w 12192000"/>
-                <a:gd name="connsiteY8" fmla="*/ 91 h 6127181"/>
-              </a:gdLst>
-              <a:ahLst/>
-              <a:cxnLst>
-                <a:cxn ang="0">
-                  <a:pos x="connsiteX0" y="connsiteY0"/>
-                </a:cxn>
-                <a:cxn ang="0">
-                  <a:pos x="connsiteX1" y="connsiteY1"/>
-                </a:cxn>
-                <a:cxn ang="0">
-                  <a:pos x="connsiteX2" y="connsiteY2"/>
-                </a:cxn>
-                <a:cxn ang="0">
-                  <a:pos x="connsiteX3" y="connsiteY3"/>
-                </a:cxn>
-                <a:cxn ang="0">
-                  <a:pos x="connsiteX4" y="connsiteY4"/>
-                </a:cxn>
-                <a:cxn ang="0">
-                  <a:pos x="connsiteX5" y="connsiteY5"/>
-                </a:cxn>
-                <a:cxn ang="0">
-                  <a:pos x="connsiteX6" y="connsiteY6"/>
-                </a:cxn>
-                <a:cxn ang="0">
-                  <a:pos x="connsiteX7" y="connsiteY7"/>
-                </a:cxn>
-                <a:cxn ang="0">
-                  <a:pos x="connsiteX8" y="connsiteY8"/>
-                </a:cxn>
-              </a:cxnLst>
-              <a:rect l="l" t="t" r="r" b="b"/>
-              <a:pathLst>
-                <a:path w="12192000" h="6127181">
-                  <a:moveTo>
-                    <a:pt x="8671822" y="91"/>
-                  </a:moveTo>
-                  <a:cubicBezTo>
-                    <a:pt x="9796463" y="8163"/>
-                    <a:pt x="10921105" y="555068"/>
-                    <a:pt x="12045746" y="747672"/>
-                  </a:cubicBezTo>
-                  <a:lnTo>
-                    <a:pt x="12192000" y="769504"/>
-                  </a:lnTo>
-                  <a:lnTo>
-                    <a:pt x="12192000" y="6127181"/>
-                  </a:lnTo>
-                  <a:lnTo>
-                    <a:pt x="0" y="6127181"/>
-                  </a:lnTo>
-                  <a:lnTo>
-                    <a:pt x="0" y="406947"/>
-                  </a:lnTo>
-                  <a:cubicBezTo>
-                    <a:pt x="520496" y="98574"/>
-                    <a:pt x="1040991" y="-7429"/>
-                    <a:pt x="1561486" y="401"/>
-                  </a:cubicBezTo>
-                  <a:cubicBezTo>
-                    <a:pt x="3420398" y="28364"/>
-                    <a:pt x="5279310" y="1508280"/>
-                    <a:pt x="7138220" y="406947"/>
-                  </a:cubicBezTo>
-                  <a:cubicBezTo>
-                    <a:pt x="7649421" y="104081"/>
-                    <a:pt x="8160622" y="-3579"/>
-                    <a:pt x="8671822" y="91"/>
-                  </a:cubicBezTo>
-                  <a:close/>
-                </a:path>
-              </a:pathLst>
-            </a:custGeom>
-            <a:solidFill>
-              <a:srgbClr val="91E59C"/>
-            </a:solidFill>
-            <a:ln>
-              <a:noFill/>
-            </a:ln>
-          </p:spPr>
-          <p:style>
-            <a:lnRef idx="2">
-              <a:schemeClr val="accent1">
-                <a:shade val="50000"/>
-              </a:schemeClr>
-            </a:lnRef>
-            <a:fillRef idx="1">
-              <a:schemeClr val="accent1"/>
-            </a:fillRef>
-            <a:effectRef idx="0">
-              <a:schemeClr val="accent1"/>
-            </a:effectRef>
-            <a:fontRef idx="minor">
-              <a:schemeClr val="lt1"/>
-            </a:fontRef>
-          </p:style>
-          <p:txBody>
-            <a:bodyPr rtlCol="0" anchor="ctr"/>
-            <a:lstStyle/>
-            <a:p>
-              <a:pPr algn="ctr"/>
-              <a:endParaRPr lang="zh-CN" altLang="en-US"/>
-            </a:p>
-          </p:txBody>
-        </p:sp>
-        <p:sp>
-          <p:nvSpPr>
-            <p:cNvPr id="7" name="任意多边形 6"/>
-            <p:cNvSpPr/>
-            <p:nvPr/>
-          </p:nvSpPr>
-          <p:spPr>
-            <a:xfrm rot="2700000">
-              <a:off x="-469098" y="-1752155"/>
-              <a:ext cx="12656587" cy="11986801"/>
-            </a:xfrm>
-            <a:custGeom>
-              <a:avLst/>
-              <a:gdLst>
-                <a:gd name="connsiteX0" fmla="*/ 147686 w 12656587"/>
-                <a:gd name="connsiteY0" fmla="*/ 7480481 h 11986801"/>
-                <a:gd name="connsiteX1" fmla="*/ 247338 w 12656587"/>
-                <a:gd name="connsiteY1" fmla="*/ 7396694 h 11986801"/>
-                <a:gd name="connsiteX2" fmla="*/ 649259 w 12656587"/>
-                <a:gd name="connsiteY2" fmla="*/ 7266893 h 11986801"/>
-                <a:gd name="connsiteX3" fmla="*/ 1051179 w 12656587"/>
-                <a:gd name="connsiteY3" fmla="*/ 7396694 h 11986801"/>
-                <a:gd name="connsiteX4" fmla="*/ 1137898 w 12656587"/>
-                <a:gd name="connsiteY4" fmla="*/ 7469607 h 11986801"/>
-                <a:gd name="connsiteX5" fmla="*/ 1182834 w 12656587"/>
-                <a:gd name="connsiteY5" fmla="*/ 7331530 h 11986801"/>
-                <a:gd name="connsiteX6" fmla="*/ 1359144 w 12656587"/>
-                <a:gd name="connsiteY6" fmla="*/ 7071146 h 11986801"/>
-                <a:gd name="connsiteX7" fmla="*/ 2078726 w 12656587"/>
-                <a:gd name="connsiteY7" fmla="*/ 6830366 h 11986801"/>
-                <a:gd name="connsiteX8" fmla="*/ 2120954 w 12656587"/>
-                <a:gd name="connsiteY8" fmla="*/ 6838761 h 11986801"/>
-                <a:gd name="connsiteX9" fmla="*/ 2118399 w 12656587"/>
-                <a:gd name="connsiteY9" fmla="*/ 6806327 h 11986801"/>
-                <a:gd name="connsiteX10" fmla="*/ 2230670 w 12656587"/>
-                <a:gd name="connsiteY10" fmla="*/ 6510490 h 11986801"/>
-                <a:gd name="connsiteX11" fmla="*/ 2314058 w 12656587"/>
-                <a:gd name="connsiteY11" fmla="*/ 6448743 h 11986801"/>
-                <a:gd name="connsiteX12" fmla="*/ 2397351 w 12656587"/>
-                <a:gd name="connsiteY12" fmla="*/ 6417660 h 11986801"/>
-                <a:gd name="connsiteX13" fmla="*/ 2389938 w 12656587"/>
-                <a:gd name="connsiteY13" fmla="*/ 6356739 h 11986801"/>
-                <a:gd name="connsiteX14" fmla="*/ 2568673 w 12656587"/>
-                <a:gd name="connsiteY14" fmla="*/ 5861617 h 11986801"/>
-                <a:gd name="connsiteX15" fmla="*/ 3208594 w 12656587"/>
-                <a:gd name="connsiteY15" fmla="*/ 5700499 h 11986801"/>
-                <a:gd name="connsiteX16" fmla="*/ 3260039 w 12656587"/>
-                <a:gd name="connsiteY16" fmla="*/ 5715116 h 11986801"/>
-                <a:gd name="connsiteX17" fmla="*/ 3275858 w 12656587"/>
-                <a:gd name="connsiteY17" fmla="*/ 5632537 h 11986801"/>
-                <a:gd name="connsiteX18" fmla="*/ 3536274 w 12656587"/>
-                <a:gd name="connsiteY18" fmla="*/ 5188555 h 11986801"/>
-                <a:gd name="connsiteX19" fmla="*/ 3821597 w 12656587"/>
-                <a:gd name="connsiteY19" fmla="*/ 4987305 h 11986801"/>
-                <a:gd name="connsiteX20" fmla="*/ 3894606 w 12656587"/>
-                <a:gd name="connsiteY20" fmla="*/ 4960079 h 11986801"/>
-                <a:gd name="connsiteX21" fmla="*/ 3883586 w 12656587"/>
-                <a:gd name="connsiteY21" fmla="*/ 4925474 h 11986801"/>
-                <a:gd name="connsiteX22" fmla="*/ 3848454 w 12656587"/>
-                <a:gd name="connsiteY22" fmla="*/ 4740790 h 11986801"/>
-                <a:gd name="connsiteX23" fmla="*/ 3842732 w 12656587"/>
-                <a:gd name="connsiteY23" fmla="*/ 4612513 h 11986801"/>
-                <a:gd name="connsiteX24" fmla="*/ 3946411 w 12656587"/>
-                <a:gd name="connsiteY24" fmla="*/ 4546528 h 11986801"/>
-                <a:gd name="connsiteX25" fmla="*/ 4658680 w 12656587"/>
-                <a:gd name="connsiteY25" fmla="*/ 3785428 h 11986801"/>
-                <a:gd name="connsiteX26" fmla="*/ 4901523 w 12656587"/>
-                <a:gd name="connsiteY26" fmla="*/ 3292866 h 11986801"/>
-                <a:gd name="connsiteX27" fmla="*/ 4909652 w 12656587"/>
-                <a:gd name="connsiteY27" fmla="*/ 3268877 h 11986801"/>
-                <a:gd name="connsiteX28" fmla="*/ 4948519 w 12656587"/>
-                <a:gd name="connsiteY28" fmla="*/ 3262242 h 11986801"/>
-                <a:gd name="connsiteX29" fmla="*/ 4957110 w 12656587"/>
-                <a:gd name="connsiteY29" fmla="*/ 3215422 h 11986801"/>
-                <a:gd name="connsiteX30" fmla="*/ 5033199 w 12656587"/>
-                <a:gd name="connsiteY30" fmla="*/ 3078012 h 11986801"/>
-                <a:gd name="connsiteX31" fmla="*/ 5494632 w 12656587"/>
-                <a:gd name="connsiteY31" fmla="*/ 3020843 h 11986801"/>
-                <a:gd name="connsiteX32" fmla="*/ 5508449 w 12656587"/>
-                <a:gd name="connsiteY32" fmla="*/ 3025803 h 11986801"/>
-                <a:gd name="connsiteX33" fmla="*/ 5496749 w 12656587"/>
-                <a:gd name="connsiteY33" fmla="*/ 2989956 h 11986801"/>
-                <a:gd name="connsiteX34" fmla="*/ 5701307 w 12656587"/>
-                <a:gd name="connsiteY34" fmla="*/ 2004742 h 11986801"/>
-                <a:gd name="connsiteX35" fmla="*/ 6686521 w 12656587"/>
-                <a:gd name="connsiteY35" fmla="*/ 1800184 h 11986801"/>
-                <a:gd name="connsiteX36" fmla="*/ 6788648 w 12656587"/>
-                <a:gd name="connsiteY36" fmla="*/ 1833517 h 11986801"/>
-                <a:gd name="connsiteX37" fmla="*/ 6831385 w 12656587"/>
-                <a:gd name="connsiteY37" fmla="*/ 1806253 h 11986801"/>
-                <a:gd name="connsiteX38" fmla="*/ 7264537 w 12656587"/>
-                <a:gd name="connsiteY38" fmla="*/ 1663380 h 11986801"/>
-                <a:gd name="connsiteX39" fmla="*/ 7400678 w 12656587"/>
-                <a:gd name="connsiteY39" fmla="*/ 1657254 h 11986801"/>
-                <a:gd name="connsiteX40" fmla="*/ 7420376 w 12656587"/>
-                <a:gd name="connsiteY40" fmla="*/ 1444093 h 11986801"/>
-                <a:gd name="connsiteX41" fmla="*/ 7913987 w 12656587"/>
-                <a:gd name="connsiteY41" fmla="*/ 516304 h 11986801"/>
-                <a:gd name="connsiteX42" fmla="*/ 9087354 w 12656587"/>
-                <a:gd name="connsiteY42" fmla="*/ 0 h 11986801"/>
-                <a:gd name="connsiteX43" fmla="*/ 9307822 w 12656587"/>
-                <a:gd name="connsiteY43" fmla="*/ 16990 h 11986801"/>
-                <a:gd name="connsiteX44" fmla="*/ 9420204 w 12656587"/>
-                <a:gd name="connsiteY44" fmla="*/ 129372 h 11986801"/>
-                <a:gd name="connsiteX45" fmla="*/ 9648809 w 12656587"/>
-                <a:gd name="connsiteY45" fmla="*/ 357977 h 11986801"/>
-                <a:gd name="connsiteX46" fmla="*/ 12656587 w 12656587"/>
-                <a:gd name="connsiteY46" fmla="*/ 3365756 h 11986801"/>
-                <a:gd name="connsiteX47" fmla="*/ 4035542 w 12656587"/>
-                <a:gd name="connsiteY47" fmla="*/ 11986801 h 11986801"/>
-                <a:gd name="connsiteX48" fmla="*/ 1705166 w 12656587"/>
-                <a:gd name="connsiteY48" fmla="*/ 9656426 h 11986801"/>
-                <a:gd name="connsiteX49" fmla="*/ 1705166 w 12656587"/>
-                <a:gd name="connsiteY49" fmla="*/ 9656426 h 11986801"/>
-                <a:gd name="connsiteX50" fmla="*/ 113635 w 12656587"/>
-                <a:gd name="connsiteY50" fmla="*/ 8064894 h 11986801"/>
-                <a:gd name="connsiteX51" fmla="*/ 113635 w 12656587"/>
-                <a:gd name="connsiteY51" fmla="*/ 8064894 h 11986801"/>
-                <a:gd name="connsiteX52" fmla="*/ 0 w 12656587"/>
-                <a:gd name="connsiteY52" fmla="*/ 7951258 h 11986801"/>
-                <a:gd name="connsiteX53" fmla="*/ 16745 w 12656587"/>
-                <a:gd name="connsiteY53" fmla="*/ 7855165 h 11986801"/>
-                <a:gd name="connsiteX54" fmla="*/ 115384 w 12656587"/>
-                <a:gd name="connsiteY54" fmla="*/ 7549685 h 11986801"/>
-              </a:gdLst>
-              <a:ahLst/>
-              <a:cxnLst>
-                <a:cxn ang="0">
-                  <a:pos x="connsiteX0" y="connsiteY0"/>
-                </a:cxn>
-                <a:cxn ang="0">
-                  <a:pos x="connsiteX1" y="connsiteY1"/>
-                </a:cxn>
-                <a:cxn ang="0">
-                  <a:pos x="connsiteX2" y="connsiteY2"/>
-                </a:cxn>
-                <a:cxn ang="0">
-                  <a:pos x="connsiteX3" y="connsiteY3"/>
-                </a:cxn>
-                <a:cxn ang="0">
-                  <a:pos x="connsiteX4" y="connsiteY4"/>
-                </a:cxn>
-                <a:cxn ang="0">
-                  <a:pos x="connsiteX5" y="connsiteY5"/>
-                </a:cxn>
-                <a:cxn ang="0">
-                  <a:pos x="connsiteX6" y="connsiteY6"/>
-                </a:cxn>
-                <a:cxn ang="0">
-                  <a:pos x="connsiteX7" y="connsiteY7"/>
-                </a:cxn>
-                <a:cxn ang="0">
-                  <a:pos x="connsiteX8" y="connsiteY8"/>
-                </a:cxn>
-                <a:cxn ang="0">
-                  <a:pos x="connsiteX9" y="connsiteY9"/>
-                </a:cxn>
-                <a:cxn ang="0">
-                  <a:pos x="connsiteX10" y="connsiteY10"/>
-                </a:cxn>
-                <a:cxn ang="0">
-                  <a:pos x="connsiteX11" y="connsiteY11"/>
-                </a:cxn>
-                <a:cxn ang="0">
-                  <a:pos x="connsiteX12" y="connsiteY12"/>
-                </a:cxn>
-                <a:cxn ang="0">
-                  <a:pos x="connsiteX13" y="connsiteY13"/>
-                </a:cxn>
-                <a:cxn ang="0">
-                  <a:pos x="connsiteX14" y="connsiteY14"/>
-                </a:cxn>
-                <a:cxn ang="0">
-                  <a:pos x="connsiteX15" y="connsiteY15"/>
-                </a:cxn>
-                <a:cxn ang="0">
-                  <a:pos x="connsiteX16" y="connsiteY16"/>
-                </a:cxn>
-                <a:cxn ang="0">
-                  <a:pos x="connsiteX17" y="connsiteY17"/>
-                </a:cxn>
-                <a:cxn ang="0">
-                  <a:pos x="connsiteX18" y="connsiteY18"/>
-                </a:cxn>
-                <a:cxn ang="0">
-                  <a:pos x="connsiteX19" y="connsiteY19"/>
-                </a:cxn>
-                <a:cxn ang="0">
-                  <a:pos x="connsiteX20" y="connsiteY20"/>
-                </a:cxn>
-                <a:cxn ang="0">
-                  <a:pos x="connsiteX21" y="connsiteY21"/>
-                </a:cxn>
-                <a:cxn ang="0">
-                  <a:pos x="connsiteX22" y="connsiteY22"/>
-                </a:cxn>
-                <a:cxn ang="0">
-                  <a:pos x="connsiteX23" y="connsiteY23"/>
-                </a:cxn>
-                <a:cxn ang="0">
-                  <a:pos x="connsiteX24" y="connsiteY24"/>
-                </a:cxn>
-                <a:cxn ang="0">
-                  <a:pos x="connsiteX25" y="connsiteY25"/>
-                </a:cxn>
-                <a:cxn ang="0">
-                  <a:pos x="connsiteX26" y="connsiteY26"/>
-                </a:cxn>
-                <a:cxn ang="0">
-                  <a:pos x="connsiteX27" y="connsiteY27"/>
-                </a:cxn>
-                <a:cxn ang="0">
-                  <a:pos x="connsiteX28" y="connsiteY28"/>
-                </a:cxn>
-                <a:cxn ang="0">
-                  <a:pos x="connsiteX29" y="connsiteY29"/>
-                </a:cxn>
-                <a:cxn ang="0">
-                  <a:pos x="connsiteX30" y="connsiteY30"/>
-                </a:cxn>
-                <a:cxn ang="0">
-                  <a:pos x="connsiteX31" y="connsiteY31"/>
-                </a:cxn>
-                <a:cxn ang="0">
-                  <a:pos x="connsiteX32" y="connsiteY32"/>
-                </a:cxn>
-                <a:cxn ang="0">
-                  <a:pos x="connsiteX33" y="connsiteY33"/>
-                </a:cxn>
-                <a:cxn ang="0">
-                  <a:pos x="connsiteX34" y="connsiteY34"/>
-                </a:cxn>
-                <a:cxn ang="0">
-                  <a:pos x="connsiteX35" y="connsiteY35"/>
-                </a:cxn>
-                <a:cxn ang="0">
-                  <a:pos x="connsiteX36" y="connsiteY36"/>
-                </a:cxn>
-                <a:cxn ang="0">
-                  <a:pos x="connsiteX37" y="connsiteY37"/>
-                </a:cxn>
-                <a:cxn ang="0">
-                  <a:pos x="connsiteX38" y="connsiteY38"/>
-                </a:cxn>
-                <a:cxn ang="0">
-                  <a:pos x="connsiteX39" y="connsiteY39"/>
-                </a:cxn>
-                <a:cxn ang="0">
-                  <a:pos x="connsiteX40" y="connsiteY40"/>
-                </a:cxn>
-                <a:cxn ang="0">
-                  <a:pos x="connsiteX41" y="connsiteY41"/>
-                </a:cxn>
-                <a:cxn ang="0">
-                  <a:pos x="connsiteX42" y="connsiteY42"/>
-                </a:cxn>
-                <a:cxn ang="0">
-                  <a:pos x="connsiteX43" y="connsiteY43"/>
-                </a:cxn>
-                <a:cxn ang="0">
-                  <a:pos x="connsiteX44" y="connsiteY44"/>
-                </a:cxn>
-                <a:cxn ang="0">
-                  <a:pos x="connsiteX45" y="connsiteY45"/>
-                </a:cxn>
-                <a:cxn ang="0">
-                  <a:pos x="connsiteX46" y="connsiteY46"/>
-                </a:cxn>
-                <a:cxn ang="0">
-                  <a:pos x="connsiteX47" y="connsiteY47"/>
-                </a:cxn>
-                <a:cxn ang="0">
-                  <a:pos x="connsiteX48" y="connsiteY48"/>
-                </a:cxn>
-                <a:cxn ang="0">
-                  <a:pos x="connsiteX49" y="connsiteY49"/>
-                </a:cxn>
-                <a:cxn ang="0">
-                  <a:pos x="connsiteX50" y="connsiteY50"/>
-                </a:cxn>
-                <a:cxn ang="0">
-                  <a:pos x="connsiteX51" y="connsiteY51"/>
-                </a:cxn>
-                <a:cxn ang="0">
-                  <a:pos x="connsiteX52" y="connsiteY52"/>
-                </a:cxn>
-                <a:cxn ang="0">
-                  <a:pos x="connsiteX53" y="connsiteY53"/>
-                </a:cxn>
-                <a:cxn ang="0">
-                  <a:pos x="connsiteX54" y="connsiteY54"/>
-                </a:cxn>
-              </a:cxnLst>
-              <a:rect l="l" t="t" r="r" b="b"/>
-              <a:pathLst>
-                <a:path w="12656587" h="11986801">
-                  <a:moveTo>
-                    <a:pt x="147686" y="7480481"/>
-                  </a:moveTo>
-                  <a:lnTo>
-                    <a:pt x="247338" y="7396694"/>
-                  </a:lnTo>
-                  <a:cubicBezTo>
-                    <a:pt x="365695" y="7314119"/>
-                    <a:pt x="502931" y="7266893"/>
-                    <a:pt x="649259" y="7266893"/>
-                  </a:cubicBezTo>
-                  <a:cubicBezTo>
-                    <a:pt x="795586" y="7266893"/>
-                    <a:pt x="932823" y="7314119"/>
-                    <a:pt x="1051179" y="7396694"/>
-                  </a:cubicBezTo>
-                  <a:lnTo>
-                    <a:pt x="1137898" y="7469607"/>
-                  </a:lnTo>
-                  <a:lnTo>
-                    <a:pt x="1182834" y="7331530"/>
-                  </a:lnTo>
-                  <a:cubicBezTo>
-                    <a:pt x="1223723" y="7236250"/>
-                    <a:pt x="1282424" y="7147866"/>
-                    <a:pt x="1359144" y="7071146"/>
-                  </a:cubicBezTo>
-                  <a:cubicBezTo>
-                    <a:pt x="1550945" y="6879346"/>
-                    <a:pt x="1815646" y="6800165"/>
-                    <a:pt x="2078726" y="6830366"/>
-                  </a:cubicBezTo>
-                  <a:lnTo>
-                    <a:pt x="2120954" y="6838761"/>
-                  </a:lnTo>
-                  <a:lnTo>
-                    <a:pt x="2118399" y="6806327"/>
-                  </a:lnTo>
-                  <a:cubicBezTo>
-                    <a:pt x="2120099" y="6687848"/>
-                    <a:pt x="2156380" y="6584780"/>
-                    <a:pt x="2230670" y="6510490"/>
-                  </a:cubicBezTo>
-                  <a:cubicBezTo>
-                    <a:pt x="2255433" y="6485727"/>
-                    <a:pt x="2283395" y="6465187"/>
-                    <a:pt x="2314058" y="6448743"/>
-                  </a:cubicBezTo>
-                  <a:lnTo>
-                    <a:pt x="2397351" y="6417660"/>
-                  </a:lnTo>
-                  <a:lnTo>
-                    <a:pt x="2389938" y="6356739"/>
-                  </a:lnTo>
-                  <a:cubicBezTo>
-                    <a:pt x="2382673" y="6166351"/>
-                    <a:pt x="2440689" y="5989601"/>
-                    <a:pt x="2568673" y="5861617"/>
-                  </a:cubicBezTo>
-                  <a:cubicBezTo>
-                    <a:pt x="2728654" y="5701636"/>
-                    <a:pt x="2964830" y="5650981"/>
-                    <a:pt x="3208594" y="5700499"/>
-                  </a:cubicBezTo>
-                  <a:lnTo>
-                    <a:pt x="3260039" y="5715116"/>
-                  </a:lnTo>
-                  <a:lnTo>
-                    <a:pt x="3275858" y="5632537"/>
-                  </a:lnTo>
-                  <a:cubicBezTo>
-                    <a:pt x="3321183" y="5470433"/>
-                    <a:pt x="3408048" y="5316780"/>
-                    <a:pt x="3536274" y="5188555"/>
-                  </a:cubicBezTo>
-                  <a:cubicBezTo>
-                    <a:pt x="3621758" y="5103071"/>
-                    <a:pt x="3718542" y="5035970"/>
-                    <a:pt x="3821597" y="4987305"/>
-                  </a:cubicBezTo>
-                  <a:lnTo>
-                    <a:pt x="3894606" y="4960079"/>
-                  </a:lnTo>
-                  <a:lnTo>
-                    <a:pt x="3883586" y="4925474"/>
-                  </a:lnTo>
-                  <a:cubicBezTo>
-                    <a:pt x="3868049" y="4864181"/>
-                    <a:pt x="3856331" y="4802489"/>
-                    <a:pt x="3848454" y="4740790"/>
-                  </a:cubicBezTo>
-                  <a:lnTo>
-                    <a:pt x="3842732" y="4612513"/>
-                  </a:lnTo>
-                  <a:lnTo>
-                    <a:pt x="3946411" y="4546528"/>
-                  </a:lnTo>
-                  <a:cubicBezTo>
-                    <a:pt x="4213378" y="4362381"/>
-                    <a:pt x="4460333" y="4105121"/>
-                    <a:pt x="4658680" y="3785428"/>
-                  </a:cubicBezTo>
-                  <a:cubicBezTo>
-                    <a:pt x="4757855" y="3625582"/>
-                    <a:pt x="4838717" y="3460057"/>
-                    <a:pt x="4901523" y="3292866"/>
-                  </a:cubicBezTo>
-                  <a:lnTo>
-                    <a:pt x="4909652" y="3268877"/>
-                  </a:lnTo>
-                  <a:lnTo>
-                    <a:pt x="4948519" y="3262242"/>
-                  </a:lnTo>
-                  <a:lnTo>
-                    <a:pt x="4957110" y="3215422"/>
-                  </a:lnTo>
-                  <a:cubicBezTo>
-                    <a:pt x="4971141" y="3161405"/>
-                    <a:pt x="4996263" y="3114949"/>
-                    <a:pt x="5033199" y="3078012"/>
-                  </a:cubicBezTo>
-                  <a:cubicBezTo>
-                    <a:pt x="5131697" y="2979515"/>
-                    <a:pt x="5297891" y="2965032"/>
-                    <a:pt x="5494632" y="3020843"/>
-                  </a:cubicBezTo>
-                  <a:lnTo>
-                    <a:pt x="5508449" y="3025803"/>
-                  </a:lnTo>
-                  <a:lnTo>
-                    <a:pt x="5496749" y="2989956"/>
-                  </a:lnTo>
-                  <a:cubicBezTo>
-                    <a:pt x="5401916" y="2606613"/>
-                    <a:pt x="5463689" y="2242360"/>
-                    <a:pt x="5701307" y="2004742"/>
-                  </a:cubicBezTo>
-                  <a:cubicBezTo>
-                    <a:pt x="5938924" y="1767125"/>
-                    <a:pt x="6303177" y="1705351"/>
-                    <a:pt x="6686521" y="1800184"/>
-                  </a:cubicBezTo>
-                  <a:lnTo>
-                    <a:pt x="6788648" y="1833517"/>
-                  </a:lnTo>
-                  <a:lnTo>
-                    <a:pt x="6831385" y="1806253"/>
-                  </a:lnTo>
-                  <a:cubicBezTo>
-                    <a:pt x="6966567" y="1728025"/>
-                    <a:pt x="7114337" y="1680377"/>
-                    <a:pt x="7264537" y="1663380"/>
-                  </a:cubicBezTo>
-                  <a:lnTo>
-                    <a:pt x="7400678" y="1657254"/>
-                  </a:lnTo>
-                  <a:lnTo>
-                    <a:pt x="7420376" y="1444093"/>
-                  </a:lnTo>
-                  <a:cubicBezTo>
-                    <a:pt x="7477889" y="1115339"/>
-                    <a:pt x="7644022" y="786268"/>
-                    <a:pt x="7913987" y="516304"/>
-                  </a:cubicBezTo>
-                  <a:cubicBezTo>
-                    <a:pt x="8251442" y="178848"/>
-                    <a:pt x="8681252" y="3629"/>
-                    <a:pt x="9087354" y="0"/>
-                  </a:cubicBezTo>
-                  <a:lnTo>
-                    <a:pt x="9307822" y="16990"/>
-                  </a:lnTo>
-                  <a:lnTo>
-                    <a:pt x="9420204" y="129372"/>
-                  </a:lnTo>
-                  <a:lnTo>
-                    <a:pt x="9648809" y="357977"/>
-                  </a:lnTo>
-                  <a:lnTo>
-                    <a:pt x="12656587" y="3365756"/>
-                  </a:lnTo>
-                  <a:lnTo>
-                    <a:pt x="4035542" y="11986801"/>
-                  </a:lnTo>
-                  <a:lnTo>
-                    <a:pt x="1705166" y="9656426"/>
-                  </a:lnTo>
-                  <a:lnTo>
-                    <a:pt x="1705166" y="9656426"/>
-                  </a:lnTo>
-                  <a:lnTo>
-                    <a:pt x="113635" y="8064894"/>
-                  </a:lnTo>
-                  <a:lnTo>
-                    <a:pt x="113635" y="8064894"/>
-                  </a:lnTo>
-                  <a:lnTo>
-                    <a:pt x="0" y="7951258"/>
-                  </a:lnTo>
-                  <a:lnTo>
-                    <a:pt x="16745" y="7855165"/>
-                  </a:lnTo>
-                  <a:cubicBezTo>
-                    <a:pt x="42050" y="7745790"/>
-                    <a:pt x="75338" y="7643269"/>
-                    <a:pt x="115384" y="7549685"/>
-                  </a:cubicBezTo>
-                  <a:close/>
-                </a:path>
-              </a:pathLst>
-            </a:custGeom>
-            <a:solidFill>
-              <a:srgbClr val="9BE7A5"/>
-            </a:solidFill>
-            <a:ln>
-              <a:noFill/>
-            </a:ln>
-          </p:spPr>
-          <p:style>
-            <a:lnRef idx="2">
-              <a:schemeClr val="accent1">
-                <a:shade val="50000"/>
-              </a:schemeClr>
-            </a:lnRef>
-            <a:fillRef idx="1">
-              <a:schemeClr val="accent1"/>
-            </a:fillRef>
-            <a:effectRef idx="0">
-              <a:schemeClr val="accent1"/>
-            </a:effectRef>
-            <a:fontRef idx="minor">
-              <a:schemeClr val="lt1"/>
-            </a:fontRef>
-          </p:style>
-          <p:txBody>
-            <a:bodyPr rtlCol="0" anchor="ctr"/>
-            <a:lstStyle/>
-            <a:p>
-              <a:pPr algn="ctr"/>
-              <a:endParaRPr lang="zh-CN" altLang="en-US"/>
-            </a:p>
-          </p:txBody>
-        </p:sp>
-      </p:grpSp>
-      <p:grpSp>
-        <p:nvGrpSpPr>
-          <p:cNvPr id="3" name="组合 8"/>
-          <p:cNvGrpSpPr/>
-          <p:nvPr/>
-        </p:nvGrpSpPr>
-        <p:grpSpPr>
-          <a:xfrm>
-            <a:off x="270228" y="2137212"/>
-            <a:ext cx="6443411" cy="4169608"/>
-            <a:chOff x="270228" y="2137212"/>
-            <a:chExt cx="6443411" cy="4169608"/>
-          </a:xfrm>
-        </p:grpSpPr>
-        <p:sp>
-          <p:nvSpPr>
-            <p:cNvPr id="10" name="圆角矩形 9"/>
-            <p:cNvSpPr/>
-            <p:nvPr/>
-          </p:nvSpPr>
-          <p:spPr>
-            <a:xfrm>
-              <a:off x="270228" y="2137212"/>
-              <a:ext cx="6098709" cy="3842305"/>
-            </a:xfrm>
-            <a:prstGeom prst="roundRect">
-              <a:avLst>
-                <a:gd name="adj" fmla="val 1722"/>
-              </a:avLst>
-            </a:prstGeom>
-            <a:solidFill>
-              <a:schemeClr val="bg1">
-                <a:alpha val="33000"/>
-              </a:schemeClr>
-            </a:solidFill>
-            <a:ln>
-              <a:noFill/>
-            </a:ln>
-          </p:spPr>
-          <p:style>
-            <a:lnRef idx="2">
-              <a:schemeClr val="accent1">
-                <a:shade val="50000"/>
-              </a:schemeClr>
-            </a:lnRef>
-            <a:fillRef idx="1">
-              <a:schemeClr val="accent1"/>
-            </a:fillRef>
-            <a:effectRef idx="0">
-              <a:schemeClr val="accent1"/>
-            </a:effectRef>
-            <a:fontRef idx="minor">
-              <a:schemeClr val="lt1"/>
-            </a:fontRef>
-          </p:style>
-          <p:txBody>
-            <a:bodyPr rtlCol="0" anchor="ctr"/>
-            <a:lstStyle/>
-            <a:p>
-              <a:pPr algn="ctr"/>
-              <a:endParaRPr lang="zh-CN" altLang="en-US"/>
-            </a:p>
-          </p:txBody>
-        </p:sp>
-        <p:sp>
-          <p:nvSpPr>
-            <p:cNvPr id="11" name="圆角矩形 10"/>
-            <p:cNvSpPr/>
-            <p:nvPr/>
-          </p:nvSpPr>
-          <p:spPr>
-            <a:xfrm>
-              <a:off x="437130" y="2293065"/>
-              <a:ext cx="6098709" cy="3842305"/>
-            </a:xfrm>
-            <a:prstGeom prst="roundRect">
-              <a:avLst>
-                <a:gd name="adj" fmla="val 1722"/>
-              </a:avLst>
-            </a:prstGeom>
-            <a:solidFill>
-              <a:schemeClr val="bg1">
-                <a:alpha val="48000"/>
-              </a:schemeClr>
-            </a:solidFill>
-            <a:ln>
-              <a:noFill/>
-            </a:ln>
-          </p:spPr>
-          <p:style>
-            <a:lnRef idx="2">
-              <a:schemeClr val="accent1">
-                <a:shade val="50000"/>
-              </a:schemeClr>
-            </a:lnRef>
-            <a:fillRef idx="1">
-              <a:schemeClr val="accent1"/>
-            </a:fillRef>
-            <a:effectRef idx="0">
-              <a:schemeClr val="accent1"/>
-            </a:effectRef>
-            <a:fontRef idx="minor">
-              <a:schemeClr val="lt1"/>
-            </a:fontRef>
-          </p:style>
-          <p:txBody>
-            <a:bodyPr rtlCol="0" anchor="ctr"/>
-            <a:lstStyle/>
-            <a:p>
-              <a:pPr algn="ctr"/>
-              <a:endParaRPr lang="zh-CN" altLang="en-US"/>
-            </a:p>
-          </p:txBody>
-        </p:sp>
-        <p:sp>
-          <p:nvSpPr>
-            <p:cNvPr id="12" name="圆角矩形 11"/>
-            <p:cNvSpPr/>
-            <p:nvPr/>
-          </p:nvSpPr>
-          <p:spPr>
-            <a:xfrm>
-              <a:off x="614930" y="2464515"/>
-              <a:ext cx="6098709" cy="3842305"/>
-            </a:xfrm>
-            <a:prstGeom prst="roundRect">
-              <a:avLst>
-                <a:gd name="adj" fmla="val 1722"/>
-              </a:avLst>
-            </a:prstGeom>
-            <a:gradFill>
-              <a:gsLst>
-                <a:gs pos="0">
-                  <a:srgbClr val="FFFFFF"/>
-                </a:gs>
-                <a:gs pos="100000">
-                  <a:srgbClr val="D9F6E4"/>
-                </a:gs>
-              </a:gsLst>
-              <a:lin ang="5400000" scaled="1"/>
-            </a:gradFill>
-            <a:ln>
-              <a:noFill/>
-            </a:ln>
-            <a:effectLst/>
-          </p:spPr>
-          <p:style>
-            <a:lnRef idx="2">
-              <a:schemeClr val="accent1">
-                <a:shade val="50000"/>
-              </a:schemeClr>
-            </a:lnRef>
-            <a:fillRef idx="1">
-              <a:schemeClr val="accent1"/>
-            </a:fillRef>
-            <a:effectRef idx="0">
-              <a:schemeClr val="accent1"/>
-            </a:effectRef>
-            <a:fontRef idx="minor">
-              <a:schemeClr val="lt1"/>
-            </a:fontRef>
-          </p:style>
-          <p:txBody>
-            <a:bodyPr rtlCol="0" anchor="ctr"/>
-            <a:lstStyle/>
-            <a:p>
-              <a:pPr algn="ctr"/>
-              <a:endParaRPr lang="zh-CN" altLang="en-US" dirty="0"/>
-            </a:p>
-          </p:txBody>
-        </p:sp>
-      </p:grpSp>
-      <p:sp>
-        <p:nvSpPr>
-          <p:cNvPr id="38" name="矩形 37"/>
-          <p:cNvSpPr/>
-          <p:nvPr/>
-        </p:nvSpPr>
-        <p:spPr>
-          <a:xfrm>
-            <a:off x="6957244" y="3799477"/>
             <a:ext cx="4859159" cy="523220"/>
           </a:xfrm>
           <a:prstGeom prst="rect">
@@ -6608,7 +5536,7 @@
 </p:sld>
 </file>
 
-<file path=ppt/slides/slide13.xml><?xml version="1.0" encoding="utf-8"?>
+<file path=ppt/slides/slide12.xml><?xml version="1.0" encoding="utf-8"?>
 <p:sld xmlns:a="http://schemas.openxmlformats.org/drawingml/2006/main" xmlns:r="http://schemas.openxmlformats.org/officeDocument/2006/relationships" xmlns:p="http://schemas.openxmlformats.org/presentationml/2006/main">
   <p:cSld>
     <p:spTree>
@@ -7605,7 +6533,7 @@
         <p:spPr>
           <a:xfrm>
             <a:off x="1282049" y="3119365"/>
-            <a:ext cx="4859159" cy="2462213"/>
+            <a:ext cx="4859159" cy="2245360"/>
           </a:xfrm>
           <a:prstGeom prst="rect">
             <a:avLst/>
@@ -7647,34 +6575,7 @@
           <a:p>
             <a:r>
               <a:rPr lang="zh-CN" altLang="en-US" sz="1400" noProof="1" smtClean="0"/>
-              <a:t>可以灵活的进行分布式部署。</a:t>
-            </a:r>
-            <a:endParaRPr lang="en-US" altLang="zh-CN" sz="1400" noProof="1" smtClean="0"/>
-          </a:p>
-          <a:p>
-            <a:r>
-              <a:rPr lang="en-US" altLang="zh-CN" sz="1400" noProof="1" smtClean="0"/>
-              <a:t>    </a:t>
-            </a:r>
-            <a:r>
-              <a:rPr lang="zh-CN" altLang="en-US" sz="1400" noProof="1" smtClean="0"/>
-              <a:t>一站式应用，包括</a:t>
-            </a:r>
-            <a:r>
-              <a:rPr lang="en-US" altLang="zh-CN" sz="1400" noProof="1" smtClean="0"/>
-              <a:t>web</a:t>
-            </a:r>
-            <a:r>
-              <a:rPr lang="zh-CN" altLang="en-US" sz="1400" noProof="1" smtClean="0"/>
-              <a:t>、微信、安卓、</a:t>
-            </a:r>
-            <a:r>
-              <a:rPr lang="en-US" altLang="zh-CN" sz="1400" noProof="1" smtClean="0"/>
-              <a:t>ios</a:t>
-            </a:r>
-            <a:r>
-              <a:rPr lang="zh-CN" altLang="en-US" sz="1400" noProof="1" smtClean="0"/>
-              <a:t>应用开发。</a:t>
+              <a:t>可以灵活的进行分布式部署。。</a:t>
             </a:r>
             <a:endParaRPr lang="zh-CN" altLang="en-US" sz="1400" noProof="1" smtClean="0"/>
           </a:p>
@@ -7716,7 +6617,7 @@
 </p:sld>
 </file>
 
-<file path=ppt/slides/slide14.xml><?xml version="1.0" encoding="utf-8"?>
+<file path=ppt/slides/slide13.xml><?xml version="1.0" encoding="utf-8"?>
 <p:sld xmlns:a="http://schemas.openxmlformats.org/drawingml/2006/main" xmlns:r="http://schemas.openxmlformats.org/officeDocument/2006/relationships" xmlns:p="http://schemas.openxmlformats.org/presentationml/2006/main">
   <p:cSld>
     <p:bg>

--- a/图灵双十一电商系统.pptx
+++ b/图灵双十一电商系统.pptx
@@ -9206,7 +9206,7 @@
         <p:spPr>
           <a:xfrm>
             <a:off x="6248400" y="3171190"/>
-            <a:ext cx="2602865" cy="2030095"/>
+            <a:ext cx="2602865" cy="1706880"/>
           </a:xfrm>
           <a:prstGeom prst="rect">
             <a:avLst/>
@@ -9242,40 +9242,6 @@
                 </a:solidFill>
               </a:rPr>
               <a:t>nginx</a:t>
-            </a:r>
-            <a:endParaRPr lang="en-US" altLang="zh-CN" sz="1400" dirty="0" smtClean="0">
-              <a:solidFill>
-                <a:schemeClr val="bg1">
-                  <a:lumMod val="50000"/>
-                </a:schemeClr>
-              </a:solidFill>
-            </a:endParaRPr>
-          </a:p>
-          <a:p>
-            <a:pPr algn="ctr">
-              <a:lnSpc>
-                <a:spcPct val="150000"/>
-              </a:lnSpc>
-            </a:pPr>
-            <a:r>
-              <a:rPr lang="zh-CN" altLang="en-US" sz="1400" dirty="0" smtClean="0">
-                <a:solidFill>
-                  <a:schemeClr val="bg1">
-                    <a:lumMod val="50000"/>
-                  </a:schemeClr>
-                </a:solidFill>
-              </a:rPr>
-              <a:t>双机热备：</a:t>
-            </a:r>
-            <a:r>
-              <a:rPr lang="en-US" altLang="zh-CN" sz="1400" dirty="0" err="1" smtClean="0">
-                <a:solidFill>
-                  <a:schemeClr val="bg1">
-                    <a:lumMod val="50000"/>
-                  </a:schemeClr>
-                </a:solidFill>
-              </a:rPr>
-              <a:t>kepaliveed</a:t>
             </a:r>
             <a:endParaRPr lang="en-US" altLang="zh-CN" sz="1400" dirty="0" smtClean="0">
               <a:solidFill>
